--- a/授業資料/小テストサンプル問題.pptx
+++ b/授業資料/小テストサンプル問題.pptx
@@ -278,7 +278,7 @@
           <a:p>
             <a:fld id="{75657BAC-61C4-4603-BBF7-2CB9DF064CF5}" type="datetimeFigureOut">
               <a:rPr kumimoji="1" lang="ja-JP" altLang="en-US" smtClean="0"/>
-              <a:t>2024/12/13</a:t>
+              <a:t>2024/12/16</a:t>
             </a:fld>
             <a:endParaRPr kumimoji="1" lang="ja-JP" altLang="en-US"/>
           </a:p>
@@ -508,7 +508,7 @@
           <a:p>
             <a:fld id="{75657BAC-61C4-4603-BBF7-2CB9DF064CF5}" type="datetimeFigureOut">
               <a:rPr kumimoji="1" lang="ja-JP" altLang="en-US" smtClean="0"/>
-              <a:t>2024/12/13</a:t>
+              <a:t>2024/12/16</a:t>
             </a:fld>
             <a:endParaRPr kumimoji="1" lang="ja-JP" altLang="en-US"/>
           </a:p>
@@ -748,7 +748,7 @@
           <a:p>
             <a:fld id="{75657BAC-61C4-4603-BBF7-2CB9DF064CF5}" type="datetimeFigureOut">
               <a:rPr kumimoji="1" lang="ja-JP" altLang="en-US" smtClean="0"/>
-              <a:t>2024/12/13</a:t>
+              <a:t>2024/12/16</a:t>
             </a:fld>
             <a:endParaRPr kumimoji="1" lang="ja-JP" altLang="en-US"/>
           </a:p>
@@ -978,7 +978,7 @@
           <a:p>
             <a:fld id="{75657BAC-61C4-4603-BBF7-2CB9DF064CF5}" type="datetimeFigureOut">
               <a:rPr kumimoji="1" lang="ja-JP" altLang="en-US" smtClean="0"/>
-              <a:t>2024/12/13</a:t>
+              <a:t>2024/12/16</a:t>
             </a:fld>
             <a:endParaRPr kumimoji="1" lang="ja-JP" altLang="en-US"/>
           </a:p>
@@ -1253,7 +1253,7 @@
           <a:p>
             <a:fld id="{75657BAC-61C4-4603-BBF7-2CB9DF064CF5}" type="datetimeFigureOut">
               <a:rPr kumimoji="1" lang="ja-JP" altLang="en-US" smtClean="0"/>
-              <a:t>2024/12/13</a:t>
+              <a:t>2024/12/16</a:t>
             </a:fld>
             <a:endParaRPr kumimoji="1" lang="ja-JP" altLang="en-US"/>
           </a:p>
@@ -1582,7 +1582,7 @@
           <a:p>
             <a:fld id="{75657BAC-61C4-4603-BBF7-2CB9DF064CF5}" type="datetimeFigureOut">
               <a:rPr kumimoji="1" lang="ja-JP" altLang="en-US" smtClean="0"/>
-              <a:t>2024/12/13</a:t>
+              <a:t>2024/12/16</a:t>
             </a:fld>
             <a:endParaRPr kumimoji="1" lang="ja-JP" altLang="en-US"/>
           </a:p>
@@ -2058,7 +2058,7 @@
           <a:p>
             <a:fld id="{75657BAC-61C4-4603-BBF7-2CB9DF064CF5}" type="datetimeFigureOut">
               <a:rPr kumimoji="1" lang="ja-JP" altLang="en-US" smtClean="0"/>
-              <a:t>2024/12/13</a:t>
+              <a:t>2024/12/16</a:t>
             </a:fld>
             <a:endParaRPr kumimoji="1" lang="ja-JP" altLang="en-US"/>
           </a:p>
@@ -2199,7 +2199,7 @@
           <a:p>
             <a:fld id="{75657BAC-61C4-4603-BBF7-2CB9DF064CF5}" type="datetimeFigureOut">
               <a:rPr kumimoji="1" lang="ja-JP" altLang="en-US" smtClean="0"/>
-              <a:t>2024/12/13</a:t>
+              <a:t>2024/12/16</a:t>
             </a:fld>
             <a:endParaRPr kumimoji="1" lang="ja-JP" altLang="en-US"/>
           </a:p>
@@ -2312,7 +2312,7 @@
           <a:p>
             <a:fld id="{75657BAC-61C4-4603-BBF7-2CB9DF064CF5}" type="datetimeFigureOut">
               <a:rPr kumimoji="1" lang="ja-JP" altLang="en-US" smtClean="0"/>
-              <a:t>2024/12/13</a:t>
+              <a:t>2024/12/16</a:t>
             </a:fld>
             <a:endParaRPr kumimoji="1" lang="ja-JP" altLang="en-US"/>
           </a:p>
@@ -2655,7 +2655,7 @@
           <a:p>
             <a:fld id="{75657BAC-61C4-4603-BBF7-2CB9DF064CF5}" type="datetimeFigureOut">
               <a:rPr kumimoji="1" lang="ja-JP" altLang="en-US" smtClean="0"/>
-              <a:t>2024/12/13</a:t>
+              <a:t>2024/12/16</a:t>
             </a:fld>
             <a:endParaRPr kumimoji="1" lang="ja-JP" altLang="en-US"/>
           </a:p>
@@ -2943,7 +2943,7 @@
           <a:p>
             <a:fld id="{75657BAC-61C4-4603-BBF7-2CB9DF064CF5}" type="datetimeFigureOut">
               <a:rPr kumimoji="1" lang="ja-JP" altLang="en-US" smtClean="0"/>
-              <a:t>2024/12/13</a:t>
+              <a:t>2024/12/16</a:t>
             </a:fld>
             <a:endParaRPr kumimoji="1" lang="ja-JP" altLang="en-US"/>
           </a:p>
@@ -3216,7 +3216,7 @@
           <a:p>
             <a:fld id="{75657BAC-61C4-4603-BBF7-2CB9DF064CF5}" type="datetimeFigureOut">
               <a:rPr kumimoji="1" lang="ja-JP" altLang="en-US" smtClean="0"/>
-              <a:t>2024/12/13</a:t>
+              <a:t>2024/12/16</a:t>
             </a:fld>
             <a:endParaRPr kumimoji="1" lang="ja-JP" altLang="en-US"/>
           </a:p>
@@ -5905,6 +5905,23 @@
               </a:rPr>
               <a:t>30,13,9,18,4,</a:t>
             </a:r>
+            <a:r>
+              <a:rPr lang="ja-JP" altLang="en-US" sz="3200" dirty="0">
+                <a:solidFill>
+                  <a:srgbClr val="202124"/>
+                </a:solidFill>
+                <a:latin typeface="0xProto" panose="02000009000000000000" pitchFamily="49" charset="0"/>
+                <a:cs typeface="0xProto" panose="02000009000000000000" pitchFamily="49" charset="0"/>
+              </a:rPr>
+              <a:t>　となる</a:t>
+            </a:r>
+            <a:endParaRPr lang="en-US" altLang="ja-JP" sz="3200" dirty="0">
+              <a:solidFill>
+                <a:srgbClr val="202124"/>
+              </a:solidFill>
+              <a:latin typeface="0xProto" panose="02000009000000000000" pitchFamily="49" charset="0"/>
+              <a:cs typeface="0xProto" panose="02000009000000000000" pitchFamily="49" charset="0"/>
+            </a:endParaRPr>
           </a:p>
         </p:txBody>
       </p:sp>

--- a/授業資料/小テストサンプル問題.pptx
+++ b/授業資料/小テストサンプル問題.pptx
@@ -4283,6 +4283,40 @@
           </a:p>
         </p:txBody>
       </p:sp>
+      <p:pic>
+        <p:nvPicPr>
+          <p:cNvPr id="6" name="図 5">
+            <a:extLst>
+              <a:ext uri="{FF2B5EF4-FFF2-40B4-BE49-F238E27FC236}">
+                <a16:creationId xmlns:a16="http://schemas.microsoft.com/office/drawing/2014/main" id="{F12C82E7-E160-4A19-9D42-57CA86709B6D}"/>
+              </a:ext>
+            </a:extLst>
+          </p:cNvPr>
+          <p:cNvPicPr>
+            <a:picLocks noChangeAspect="1"/>
+          </p:cNvPicPr>
+          <p:nvPr/>
+        </p:nvPicPr>
+        <p:blipFill rotWithShape="1">
+          <a:blip r:embed="rId2"/>
+          <a:srcRect t="19434" b="19637"/>
+          <a:stretch/>
+        </p:blipFill>
+        <p:spPr>
+          <a:xfrm>
+            <a:off x="7172710" y="5293150"/>
+            <a:ext cx="5019290" cy="1564850"/>
+          </a:xfrm>
+          <a:prstGeom prst="rect">
+            <a:avLst/>
+          </a:prstGeom>
+          <a:ln>
+            <a:solidFill>
+              <a:schemeClr val="tx1"/>
+            </a:solidFill>
+          </a:ln>
+        </p:spPr>
+      </p:pic>
     </p:spTree>
     <p:extLst>
       <p:ext uri="{BB962C8B-B14F-4D97-AF65-F5344CB8AC3E}">
@@ -4439,6 +4473,40 @@
           </a:p>
         </p:txBody>
       </p:sp>
+      <p:pic>
+        <p:nvPicPr>
+          <p:cNvPr id="7" name="図 6">
+            <a:extLst>
+              <a:ext uri="{FF2B5EF4-FFF2-40B4-BE49-F238E27FC236}">
+                <a16:creationId xmlns:a16="http://schemas.microsoft.com/office/drawing/2014/main" id="{AEC4164E-8840-4992-8196-033BFEBAA470}"/>
+              </a:ext>
+            </a:extLst>
+          </p:cNvPr>
+          <p:cNvPicPr>
+            <a:picLocks noChangeAspect="1"/>
+          </p:cNvPicPr>
+          <p:nvPr/>
+        </p:nvPicPr>
+        <p:blipFill rotWithShape="1">
+          <a:blip r:embed="rId2"/>
+          <a:srcRect t="19434" b="19637"/>
+          <a:stretch/>
+        </p:blipFill>
+        <p:spPr>
+          <a:xfrm>
+            <a:off x="7172710" y="5293150"/>
+            <a:ext cx="5019290" cy="1564850"/>
+          </a:xfrm>
+          <a:prstGeom prst="rect">
+            <a:avLst/>
+          </a:prstGeom>
+          <a:ln>
+            <a:solidFill>
+              <a:schemeClr val="tx1"/>
+            </a:solidFill>
+          </a:ln>
+        </p:spPr>
+      </p:pic>
     </p:spTree>
     <p:extLst>
       <p:ext uri="{BB962C8B-B14F-4D97-AF65-F5344CB8AC3E}">
@@ -4623,6 +4691,40 @@
           </a:p>
         </p:txBody>
       </p:sp>
+      <p:pic>
+        <p:nvPicPr>
+          <p:cNvPr id="7" name="図 6">
+            <a:extLst>
+              <a:ext uri="{FF2B5EF4-FFF2-40B4-BE49-F238E27FC236}">
+                <a16:creationId xmlns:a16="http://schemas.microsoft.com/office/drawing/2014/main" id="{08D19735-2446-40C3-AD21-8AF7A589E787}"/>
+              </a:ext>
+            </a:extLst>
+          </p:cNvPr>
+          <p:cNvPicPr>
+            <a:picLocks noChangeAspect="1"/>
+          </p:cNvPicPr>
+          <p:nvPr/>
+        </p:nvPicPr>
+        <p:blipFill rotWithShape="1">
+          <a:blip r:embed="rId2"/>
+          <a:srcRect t="19434" b="19637"/>
+          <a:stretch/>
+        </p:blipFill>
+        <p:spPr>
+          <a:xfrm>
+            <a:off x="7172710" y="5293150"/>
+            <a:ext cx="5019290" cy="1564850"/>
+          </a:xfrm>
+          <a:prstGeom prst="rect">
+            <a:avLst/>
+          </a:prstGeom>
+          <a:ln>
+            <a:solidFill>
+              <a:schemeClr val="tx1"/>
+            </a:solidFill>
+          </a:ln>
+        </p:spPr>
+      </p:pic>
     </p:spTree>
     <p:extLst>
       <p:ext uri="{BB962C8B-B14F-4D97-AF65-F5344CB8AC3E}">
@@ -4825,6 +4927,40 @@
           </a:p>
         </p:txBody>
       </p:sp>
+      <p:pic>
+        <p:nvPicPr>
+          <p:cNvPr id="7" name="図 6">
+            <a:extLst>
+              <a:ext uri="{FF2B5EF4-FFF2-40B4-BE49-F238E27FC236}">
+                <a16:creationId xmlns:a16="http://schemas.microsoft.com/office/drawing/2014/main" id="{3260960D-64A4-491B-8F62-A47615C7EF82}"/>
+              </a:ext>
+            </a:extLst>
+          </p:cNvPr>
+          <p:cNvPicPr>
+            <a:picLocks noChangeAspect="1"/>
+          </p:cNvPicPr>
+          <p:nvPr/>
+        </p:nvPicPr>
+        <p:blipFill rotWithShape="1">
+          <a:blip r:embed="rId2"/>
+          <a:srcRect t="19434" b="19637"/>
+          <a:stretch/>
+        </p:blipFill>
+        <p:spPr>
+          <a:xfrm>
+            <a:off x="7172710" y="5293150"/>
+            <a:ext cx="5019290" cy="1564850"/>
+          </a:xfrm>
+          <a:prstGeom prst="rect">
+            <a:avLst/>
+          </a:prstGeom>
+          <a:ln>
+            <a:solidFill>
+              <a:schemeClr val="tx1"/>
+            </a:solidFill>
+          </a:ln>
+        </p:spPr>
+      </p:pic>
     </p:spTree>
     <p:extLst>
       <p:ext uri="{BB962C8B-B14F-4D97-AF65-F5344CB8AC3E}">
@@ -5059,6 +5195,40 @@
           </a:p>
         </p:txBody>
       </p:sp>
+      <p:pic>
+        <p:nvPicPr>
+          <p:cNvPr id="7" name="図 6">
+            <a:extLst>
+              <a:ext uri="{FF2B5EF4-FFF2-40B4-BE49-F238E27FC236}">
+                <a16:creationId xmlns:a16="http://schemas.microsoft.com/office/drawing/2014/main" id="{6ECE5CA0-9320-464E-8808-25265B4F3DD2}"/>
+              </a:ext>
+            </a:extLst>
+          </p:cNvPr>
+          <p:cNvPicPr>
+            <a:picLocks noChangeAspect="1"/>
+          </p:cNvPicPr>
+          <p:nvPr/>
+        </p:nvPicPr>
+        <p:blipFill rotWithShape="1">
+          <a:blip r:embed="rId2"/>
+          <a:srcRect t="19434" b="19637"/>
+          <a:stretch/>
+        </p:blipFill>
+        <p:spPr>
+          <a:xfrm>
+            <a:off x="7172710" y="5293150"/>
+            <a:ext cx="5019290" cy="1564850"/>
+          </a:xfrm>
+          <a:prstGeom prst="rect">
+            <a:avLst/>
+          </a:prstGeom>
+          <a:ln>
+            <a:solidFill>
+              <a:schemeClr val="tx1"/>
+            </a:solidFill>
+          </a:ln>
+        </p:spPr>
+      </p:pic>
     </p:spTree>
     <p:extLst>
       <p:ext uri="{BB962C8B-B14F-4D97-AF65-F5344CB8AC3E}">
@@ -5311,6 +5481,40 @@
           </a:p>
         </p:txBody>
       </p:sp>
+      <p:pic>
+        <p:nvPicPr>
+          <p:cNvPr id="7" name="図 6">
+            <a:extLst>
+              <a:ext uri="{FF2B5EF4-FFF2-40B4-BE49-F238E27FC236}">
+                <a16:creationId xmlns:a16="http://schemas.microsoft.com/office/drawing/2014/main" id="{AC3DB558-4C9D-4AC2-B52A-EAD59096EB85}"/>
+              </a:ext>
+            </a:extLst>
+          </p:cNvPr>
+          <p:cNvPicPr>
+            <a:picLocks noChangeAspect="1"/>
+          </p:cNvPicPr>
+          <p:nvPr/>
+        </p:nvPicPr>
+        <p:blipFill rotWithShape="1">
+          <a:blip r:embed="rId2"/>
+          <a:srcRect t="19434" b="19637"/>
+          <a:stretch/>
+        </p:blipFill>
+        <p:spPr>
+          <a:xfrm>
+            <a:off x="7172710" y="5293150"/>
+            <a:ext cx="5019290" cy="1564850"/>
+          </a:xfrm>
+          <a:prstGeom prst="rect">
+            <a:avLst/>
+          </a:prstGeom>
+          <a:ln>
+            <a:solidFill>
+              <a:schemeClr val="tx1"/>
+            </a:solidFill>
+          </a:ln>
+        </p:spPr>
+      </p:pic>
     </p:spTree>
     <p:extLst>
       <p:ext uri="{BB962C8B-B14F-4D97-AF65-F5344CB8AC3E}">
@@ -5604,6 +5808,40 @@
           </a:p>
         </p:txBody>
       </p:sp>
+      <p:pic>
+        <p:nvPicPr>
+          <p:cNvPr id="7" name="図 6">
+            <a:extLst>
+              <a:ext uri="{FF2B5EF4-FFF2-40B4-BE49-F238E27FC236}">
+                <a16:creationId xmlns:a16="http://schemas.microsoft.com/office/drawing/2014/main" id="{CFC11B2B-0884-457B-A60E-6CE3941DD622}"/>
+              </a:ext>
+            </a:extLst>
+          </p:cNvPr>
+          <p:cNvPicPr>
+            <a:picLocks noChangeAspect="1"/>
+          </p:cNvPicPr>
+          <p:nvPr/>
+        </p:nvPicPr>
+        <p:blipFill rotWithShape="1">
+          <a:blip r:embed="rId2"/>
+          <a:srcRect t="19434" b="19637"/>
+          <a:stretch/>
+        </p:blipFill>
+        <p:spPr>
+          <a:xfrm>
+            <a:off x="7172710" y="5293150"/>
+            <a:ext cx="5019290" cy="1564850"/>
+          </a:xfrm>
+          <a:prstGeom prst="rect">
+            <a:avLst/>
+          </a:prstGeom>
+          <a:ln>
+            <a:solidFill>
+              <a:schemeClr val="tx1"/>
+            </a:solidFill>
+          </a:ln>
+        </p:spPr>
+      </p:pic>
     </p:spTree>
     <p:extLst>
       <p:ext uri="{BB962C8B-B14F-4D97-AF65-F5344CB8AC3E}">
@@ -5925,6 +6163,40 @@
           </a:p>
         </p:txBody>
       </p:sp>
+      <p:pic>
+        <p:nvPicPr>
+          <p:cNvPr id="7" name="図 6">
+            <a:extLst>
+              <a:ext uri="{FF2B5EF4-FFF2-40B4-BE49-F238E27FC236}">
+                <a16:creationId xmlns:a16="http://schemas.microsoft.com/office/drawing/2014/main" id="{CB6E8396-7F64-42C2-AA33-4C5FD045762D}"/>
+              </a:ext>
+            </a:extLst>
+          </p:cNvPr>
+          <p:cNvPicPr>
+            <a:picLocks noChangeAspect="1"/>
+          </p:cNvPicPr>
+          <p:nvPr/>
+        </p:nvPicPr>
+        <p:blipFill rotWithShape="1">
+          <a:blip r:embed="rId2"/>
+          <a:srcRect t="19434" b="19637"/>
+          <a:stretch/>
+        </p:blipFill>
+        <p:spPr>
+          <a:xfrm>
+            <a:off x="7172710" y="5293150"/>
+            <a:ext cx="5019290" cy="1564850"/>
+          </a:xfrm>
+          <a:prstGeom prst="rect">
+            <a:avLst/>
+          </a:prstGeom>
+          <a:ln>
+            <a:solidFill>
+              <a:schemeClr val="tx1"/>
+            </a:solidFill>
+          </a:ln>
+        </p:spPr>
+      </p:pic>
     </p:spTree>
     <p:extLst>
       <p:ext uri="{BB962C8B-B14F-4D97-AF65-F5344CB8AC3E}">

--- a/授業資料/小テストサンプル問題.pptx
+++ b/授業資料/小テストサンプル問題.pptx
@@ -278,7 +278,7 @@
           <a:p>
             <a:fld id="{75657BAC-61C4-4603-BBF7-2CB9DF064CF5}" type="datetimeFigureOut">
               <a:rPr kumimoji="1" lang="ja-JP" altLang="en-US" smtClean="0"/>
-              <a:t>2024/12/16</a:t>
+              <a:t>2024/12/17</a:t>
             </a:fld>
             <a:endParaRPr kumimoji="1" lang="ja-JP" altLang="en-US"/>
           </a:p>
@@ -508,7 +508,7 @@
           <a:p>
             <a:fld id="{75657BAC-61C4-4603-BBF7-2CB9DF064CF5}" type="datetimeFigureOut">
               <a:rPr kumimoji="1" lang="ja-JP" altLang="en-US" smtClean="0"/>
-              <a:t>2024/12/16</a:t>
+              <a:t>2024/12/17</a:t>
             </a:fld>
             <a:endParaRPr kumimoji="1" lang="ja-JP" altLang="en-US"/>
           </a:p>
@@ -748,7 +748,7 @@
           <a:p>
             <a:fld id="{75657BAC-61C4-4603-BBF7-2CB9DF064CF5}" type="datetimeFigureOut">
               <a:rPr kumimoji="1" lang="ja-JP" altLang="en-US" smtClean="0"/>
-              <a:t>2024/12/16</a:t>
+              <a:t>2024/12/17</a:t>
             </a:fld>
             <a:endParaRPr kumimoji="1" lang="ja-JP" altLang="en-US"/>
           </a:p>
@@ -978,7 +978,7 @@
           <a:p>
             <a:fld id="{75657BAC-61C4-4603-BBF7-2CB9DF064CF5}" type="datetimeFigureOut">
               <a:rPr kumimoji="1" lang="ja-JP" altLang="en-US" smtClean="0"/>
-              <a:t>2024/12/16</a:t>
+              <a:t>2024/12/17</a:t>
             </a:fld>
             <a:endParaRPr kumimoji="1" lang="ja-JP" altLang="en-US"/>
           </a:p>
@@ -1253,7 +1253,7 @@
           <a:p>
             <a:fld id="{75657BAC-61C4-4603-BBF7-2CB9DF064CF5}" type="datetimeFigureOut">
               <a:rPr kumimoji="1" lang="ja-JP" altLang="en-US" smtClean="0"/>
-              <a:t>2024/12/16</a:t>
+              <a:t>2024/12/17</a:t>
             </a:fld>
             <a:endParaRPr kumimoji="1" lang="ja-JP" altLang="en-US"/>
           </a:p>
@@ -1582,7 +1582,7 @@
           <a:p>
             <a:fld id="{75657BAC-61C4-4603-BBF7-2CB9DF064CF5}" type="datetimeFigureOut">
               <a:rPr kumimoji="1" lang="ja-JP" altLang="en-US" smtClean="0"/>
-              <a:t>2024/12/16</a:t>
+              <a:t>2024/12/17</a:t>
             </a:fld>
             <a:endParaRPr kumimoji="1" lang="ja-JP" altLang="en-US"/>
           </a:p>
@@ -2058,7 +2058,7 @@
           <a:p>
             <a:fld id="{75657BAC-61C4-4603-BBF7-2CB9DF064CF5}" type="datetimeFigureOut">
               <a:rPr kumimoji="1" lang="ja-JP" altLang="en-US" smtClean="0"/>
-              <a:t>2024/12/16</a:t>
+              <a:t>2024/12/17</a:t>
             </a:fld>
             <a:endParaRPr kumimoji="1" lang="ja-JP" altLang="en-US"/>
           </a:p>
@@ -2199,7 +2199,7 @@
           <a:p>
             <a:fld id="{75657BAC-61C4-4603-BBF7-2CB9DF064CF5}" type="datetimeFigureOut">
               <a:rPr kumimoji="1" lang="ja-JP" altLang="en-US" smtClean="0"/>
-              <a:t>2024/12/16</a:t>
+              <a:t>2024/12/17</a:t>
             </a:fld>
             <a:endParaRPr kumimoji="1" lang="ja-JP" altLang="en-US"/>
           </a:p>
@@ -2312,7 +2312,7 @@
           <a:p>
             <a:fld id="{75657BAC-61C4-4603-BBF7-2CB9DF064CF5}" type="datetimeFigureOut">
               <a:rPr kumimoji="1" lang="ja-JP" altLang="en-US" smtClean="0"/>
-              <a:t>2024/12/16</a:t>
+              <a:t>2024/12/17</a:t>
             </a:fld>
             <a:endParaRPr kumimoji="1" lang="ja-JP" altLang="en-US"/>
           </a:p>
@@ -2655,7 +2655,7 @@
           <a:p>
             <a:fld id="{75657BAC-61C4-4603-BBF7-2CB9DF064CF5}" type="datetimeFigureOut">
               <a:rPr kumimoji="1" lang="ja-JP" altLang="en-US" smtClean="0"/>
-              <a:t>2024/12/16</a:t>
+              <a:t>2024/12/17</a:t>
             </a:fld>
             <a:endParaRPr kumimoji="1" lang="ja-JP" altLang="en-US"/>
           </a:p>
@@ -2943,7 +2943,7 @@
           <a:p>
             <a:fld id="{75657BAC-61C4-4603-BBF7-2CB9DF064CF5}" type="datetimeFigureOut">
               <a:rPr kumimoji="1" lang="ja-JP" altLang="en-US" smtClean="0"/>
-              <a:t>2024/12/16</a:t>
+              <a:t>2024/12/17</a:t>
             </a:fld>
             <a:endParaRPr kumimoji="1" lang="ja-JP" altLang="en-US"/>
           </a:p>
@@ -3216,7 +3216,7 @@
           <a:p>
             <a:fld id="{75657BAC-61C4-4603-BBF7-2CB9DF064CF5}" type="datetimeFigureOut">
               <a:rPr kumimoji="1" lang="ja-JP" altLang="en-US" smtClean="0"/>
-              <a:t>2024/12/16</a:t>
+              <a:t>2024/12/17</a:t>
             </a:fld>
             <a:endParaRPr kumimoji="1" lang="ja-JP" altLang="en-US"/>
           </a:p>
@@ -4899,6 +4899,16 @@
               <a:t>push_front</a:t>
             </a:r>
             <a:r>
+              <a:rPr lang="en-US" altLang="ja-JP" sz="3200" dirty="0">
+                <a:solidFill>
+                  <a:srgbClr val="00B0F0"/>
+                </a:solidFill>
+                <a:latin typeface="0xProto" panose="02000009000000000000" pitchFamily="49" charset="0"/>
+                <a:cs typeface="0xProto" panose="02000009000000000000" pitchFamily="49" charset="0"/>
+              </a:rPr>
+              <a:t>(30)</a:t>
+            </a:r>
+            <a:r>
               <a:rPr lang="ja-JP" altLang="en-US" sz="3200" dirty="0">
                 <a:solidFill>
                   <a:srgbClr val="202124"/>
@@ -4906,7 +4916,7 @@
                 <a:latin typeface="0xProto" panose="02000009000000000000" pitchFamily="49" charset="0"/>
                 <a:cs typeface="0xProto" panose="02000009000000000000" pitchFamily="49" charset="0"/>
               </a:rPr>
-              <a:t>関数は先頭に要素を追加</a:t>
+              <a:t>は先頭に要素を追加</a:t>
             </a:r>
             <a:endParaRPr lang="en-US" altLang="ja-JP" sz="3200" dirty="0">
               <a:solidFill>
@@ -5135,6 +5145,16 @@
               <a:t>push_front</a:t>
             </a:r>
             <a:r>
+              <a:rPr lang="en-US" altLang="ja-JP" sz="3200" dirty="0">
+                <a:solidFill>
+                  <a:srgbClr val="00B0F0"/>
+                </a:solidFill>
+                <a:latin typeface="0xProto" panose="02000009000000000000" pitchFamily="49" charset="0"/>
+                <a:cs typeface="0xProto" panose="02000009000000000000" pitchFamily="49" charset="0"/>
+              </a:rPr>
+              <a:t>(30)</a:t>
+            </a:r>
+            <a:r>
               <a:rPr lang="ja-JP" altLang="en-US" sz="3200" dirty="0">
                 <a:solidFill>
                   <a:srgbClr val="202124"/>
@@ -5142,7 +5162,7 @@
                 <a:latin typeface="0xProto" panose="02000009000000000000" pitchFamily="49" charset="0"/>
                 <a:cs typeface="0xProto" panose="02000009000000000000" pitchFamily="49" charset="0"/>
               </a:rPr>
-              <a:t>関数は先頭に要素を追加</a:t>
+              <a:t>は先頭に要素を追加</a:t>
             </a:r>
             <a:endParaRPr lang="en-US" altLang="ja-JP" sz="3200" dirty="0">
               <a:solidFill>
@@ -5403,6 +5423,16 @@
               <a:t>push_front</a:t>
             </a:r>
             <a:r>
+              <a:rPr lang="en-US" altLang="ja-JP" sz="3200" dirty="0">
+                <a:solidFill>
+                  <a:srgbClr val="00B0F0"/>
+                </a:solidFill>
+                <a:latin typeface="0xProto" panose="02000009000000000000" pitchFamily="49" charset="0"/>
+                <a:cs typeface="0xProto" panose="02000009000000000000" pitchFamily="49" charset="0"/>
+              </a:rPr>
+              <a:t>(30)</a:t>
+            </a:r>
+            <a:r>
               <a:rPr lang="ja-JP" altLang="en-US" sz="3200" dirty="0">
                 <a:solidFill>
                   <a:srgbClr val="202124"/>
@@ -5410,7 +5440,7 @@
                 <a:latin typeface="0xProto" panose="02000009000000000000" pitchFamily="49" charset="0"/>
                 <a:cs typeface="0xProto" panose="02000009000000000000" pitchFamily="49" charset="0"/>
               </a:rPr>
-              <a:t>関数は先頭に要素を追加</a:t>
+              <a:t>は先頭に要素を追加</a:t>
             </a:r>
             <a:endParaRPr lang="en-US" altLang="ja-JP" sz="3200" dirty="0">
               <a:solidFill>
@@ -5453,6 +5483,16 @@
               <a:t>push_back</a:t>
             </a:r>
             <a:r>
+              <a:rPr lang="en-US" altLang="ja-JP" sz="3200" dirty="0">
+                <a:solidFill>
+                  <a:srgbClr val="00B050"/>
+                </a:solidFill>
+                <a:latin typeface="0xProto" panose="02000009000000000000" pitchFamily="49" charset="0"/>
+                <a:cs typeface="0xProto" panose="02000009000000000000" pitchFamily="49" charset="0"/>
+              </a:rPr>
+              <a:t>(4)</a:t>
+            </a:r>
+            <a:r>
               <a:rPr lang="ja-JP" altLang="en-US" sz="3200" dirty="0">
                 <a:solidFill>
                   <a:srgbClr val="202124"/>
@@ -5460,7 +5500,7 @@
                 <a:latin typeface="0xProto" panose="02000009000000000000" pitchFamily="49" charset="0"/>
                 <a:cs typeface="0xProto" panose="02000009000000000000" pitchFamily="49" charset="0"/>
               </a:rPr>
-              <a:t>関数は末尾に要素を追加</a:t>
+              <a:t>は末尾に要素を追加</a:t>
             </a:r>
             <a:endParaRPr lang="en-US" altLang="ja-JP" sz="3200" dirty="0">
               <a:solidFill>
@@ -5689,6 +5729,16 @@
               <a:t>push_front</a:t>
             </a:r>
             <a:r>
+              <a:rPr lang="en-US" altLang="ja-JP" sz="3200" dirty="0">
+                <a:solidFill>
+                  <a:srgbClr val="00B0F0"/>
+                </a:solidFill>
+                <a:latin typeface="0xProto" panose="02000009000000000000" pitchFamily="49" charset="0"/>
+                <a:cs typeface="0xProto" panose="02000009000000000000" pitchFamily="49" charset="0"/>
+              </a:rPr>
+              <a:t>(30)</a:t>
+            </a:r>
+            <a:r>
               <a:rPr lang="ja-JP" altLang="en-US" sz="3200" dirty="0">
                 <a:solidFill>
                   <a:srgbClr val="202124"/>
@@ -5696,7 +5746,7 @@
                 <a:latin typeface="0xProto" panose="02000009000000000000" pitchFamily="49" charset="0"/>
                 <a:cs typeface="0xProto" panose="02000009000000000000" pitchFamily="49" charset="0"/>
               </a:rPr>
-              <a:t>関数は先頭に要素を追加</a:t>
+              <a:t>は先頭に要素を追加</a:t>
             </a:r>
             <a:endParaRPr lang="en-US" altLang="ja-JP" sz="3200" dirty="0">
               <a:solidFill>
@@ -5739,6 +5789,16 @@
               <a:t>push_back</a:t>
             </a:r>
             <a:r>
+              <a:rPr lang="en-US" altLang="ja-JP" sz="3200" dirty="0">
+                <a:solidFill>
+                  <a:srgbClr val="00B050"/>
+                </a:solidFill>
+                <a:latin typeface="0xProto" panose="02000009000000000000" pitchFamily="49" charset="0"/>
+                <a:cs typeface="0xProto" panose="02000009000000000000" pitchFamily="49" charset="0"/>
+              </a:rPr>
+              <a:t>(4)</a:t>
+            </a:r>
+            <a:r>
               <a:rPr lang="ja-JP" altLang="en-US" sz="3200" dirty="0">
                 <a:solidFill>
                   <a:srgbClr val="202124"/>
@@ -5746,7 +5806,7 @@
                 <a:latin typeface="0xProto" panose="02000009000000000000" pitchFamily="49" charset="0"/>
                 <a:cs typeface="0xProto" panose="02000009000000000000" pitchFamily="49" charset="0"/>
               </a:rPr>
-              <a:t>関数は末尾に要素を追加</a:t>
+              <a:t>は末尾に要素を追加</a:t>
             </a:r>
             <a:endParaRPr lang="en-US" altLang="ja-JP" sz="3200" dirty="0">
               <a:solidFill>
@@ -6016,6 +6076,16 @@
               <a:t>push_front</a:t>
             </a:r>
             <a:r>
+              <a:rPr lang="en-US" altLang="ja-JP" sz="3200" dirty="0">
+                <a:solidFill>
+                  <a:srgbClr val="00B0F0"/>
+                </a:solidFill>
+                <a:latin typeface="0xProto" panose="02000009000000000000" pitchFamily="49" charset="0"/>
+                <a:cs typeface="0xProto" panose="02000009000000000000" pitchFamily="49" charset="0"/>
+              </a:rPr>
+              <a:t>(30)</a:t>
+            </a:r>
+            <a:r>
               <a:rPr lang="ja-JP" altLang="en-US" sz="3200" dirty="0">
                 <a:solidFill>
                   <a:srgbClr val="202124"/>
@@ -6023,7 +6093,7 @@
                 <a:latin typeface="0xProto" panose="02000009000000000000" pitchFamily="49" charset="0"/>
                 <a:cs typeface="0xProto" panose="02000009000000000000" pitchFamily="49" charset="0"/>
               </a:rPr>
-              <a:t>関数は先頭に要素を追加</a:t>
+              <a:t>は先頭に要素を追加</a:t>
             </a:r>
             <a:endParaRPr lang="en-US" altLang="ja-JP" sz="3200" dirty="0">
               <a:solidFill>
@@ -6066,6 +6136,16 @@
               <a:t>push_back</a:t>
             </a:r>
             <a:r>
+              <a:rPr lang="en-US" altLang="ja-JP" sz="3200" dirty="0">
+                <a:solidFill>
+                  <a:srgbClr val="00B050"/>
+                </a:solidFill>
+                <a:latin typeface="0xProto" panose="02000009000000000000" pitchFamily="49" charset="0"/>
+                <a:cs typeface="0xProto" panose="02000009000000000000" pitchFamily="49" charset="0"/>
+              </a:rPr>
+              <a:t>(4)</a:t>
+            </a:r>
+            <a:r>
               <a:rPr lang="ja-JP" altLang="en-US" sz="3200" dirty="0">
                 <a:solidFill>
                   <a:srgbClr val="202124"/>
@@ -6073,7 +6153,7 @@
                 <a:latin typeface="0xProto" panose="02000009000000000000" pitchFamily="49" charset="0"/>
                 <a:cs typeface="0xProto" panose="02000009000000000000" pitchFamily="49" charset="0"/>
               </a:rPr>
-              <a:t>関数は末尾に要素を追加</a:t>
+              <a:t>は末尾に要素を追加</a:t>
             </a:r>
             <a:endParaRPr lang="en-US" altLang="ja-JP" sz="3200" dirty="0">
               <a:solidFill>
